--- a/진행/게임PPT/SpaceShip.pptx
+++ b/진행/게임PPT/SpaceShip.pptx
@@ -8,14 +8,13 @@
     <p:sldId id="256" r:id="rId2"/>
     <p:sldId id="257" r:id="rId3"/>
     <p:sldId id="258" r:id="rId4"/>
-    <p:sldId id="259" r:id="rId5"/>
-    <p:sldId id="260" r:id="rId6"/>
-    <p:sldId id="261" r:id="rId7"/>
-    <p:sldId id="262" r:id="rId8"/>
-    <p:sldId id="263" r:id="rId9"/>
-    <p:sldId id="264" r:id="rId10"/>
-    <p:sldId id="265" r:id="rId11"/>
-    <p:sldId id="266" r:id="rId12"/>
+    <p:sldId id="267" r:id="rId5"/>
+    <p:sldId id="259" r:id="rId6"/>
+    <p:sldId id="262" r:id="rId7"/>
+    <p:sldId id="263" r:id="rId8"/>
+    <p:sldId id="264" r:id="rId9"/>
+    <p:sldId id="265" r:id="rId10"/>
+    <p:sldId id="266" r:id="rId11"/>
   </p:sldIdLst>
   <p:sldSz cx="12192000" cy="6858000"/>
   <p:notesSz cx="6858000" cy="9144000"/>
@@ -114,6 +113,11 @@
       </a:defRPr>
     </a:lvl9pPr>
   </p:defaultTextStyle>
+  <p:extLst>
+    <p:ext uri="{EFAFB233-063F-42B5-8137-9DF3F51BA10A}">
+      <p15:sldGuideLst xmlns:p15="http://schemas.microsoft.com/office/powerpoint/2012/main"/>
+    </p:ext>
+  </p:extLst>
 </p:presentation>
 </file>
 
@@ -264,7 +268,7 @@
           <a:p>
             <a:fld id="{52621CA2-F6D9-4D78-B139-5B0FD6ACA0EB}" type="datetimeFigureOut">
               <a:rPr lang="ko-KR" altLang="en-US" smtClean="0"/>
-              <a:t>2024-11-27</a:t>
+              <a:t>2024-11-28</a:t>
             </a:fld>
             <a:endParaRPr lang="ko-KR" altLang="en-US"/>
           </a:p>
@@ -462,7 +466,7 @@
           <a:p>
             <a:fld id="{52621CA2-F6D9-4D78-B139-5B0FD6ACA0EB}" type="datetimeFigureOut">
               <a:rPr lang="ko-KR" altLang="en-US" smtClean="0"/>
-              <a:t>2024-11-27</a:t>
+              <a:t>2024-11-28</a:t>
             </a:fld>
             <a:endParaRPr lang="ko-KR" altLang="en-US"/>
           </a:p>
@@ -670,7 +674,7 @@
           <a:p>
             <a:fld id="{52621CA2-F6D9-4D78-B139-5B0FD6ACA0EB}" type="datetimeFigureOut">
               <a:rPr lang="ko-KR" altLang="en-US" smtClean="0"/>
-              <a:t>2024-11-27</a:t>
+              <a:t>2024-11-28</a:t>
             </a:fld>
             <a:endParaRPr lang="ko-KR" altLang="en-US"/>
           </a:p>
@@ -868,7 +872,7 @@
           <a:p>
             <a:fld id="{52621CA2-F6D9-4D78-B139-5B0FD6ACA0EB}" type="datetimeFigureOut">
               <a:rPr lang="ko-KR" altLang="en-US" smtClean="0"/>
-              <a:t>2024-11-27</a:t>
+              <a:t>2024-11-28</a:t>
             </a:fld>
             <a:endParaRPr lang="ko-KR" altLang="en-US"/>
           </a:p>
@@ -1143,7 +1147,7 @@
           <a:p>
             <a:fld id="{52621CA2-F6D9-4D78-B139-5B0FD6ACA0EB}" type="datetimeFigureOut">
               <a:rPr lang="ko-KR" altLang="en-US" smtClean="0"/>
-              <a:t>2024-11-27</a:t>
+              <a:t>2024-11-28</a:t>
             </a:fld>
             <a:endParaRPr lang="ko-KR" altLang="en-US"/>
           </a:p>
@@ -1408,7 +1412,7 @@
           <a:p>
             <a:fld id="{52621CA2-F6D9-4D78-B139-5B0FD6ACA0EB}" type="datetimeFigureOut">
               <a:rPr lang="ko-KR" altLang="en-US" smtClean="0"/>
-              <a:t>2024-11-27</a:t>
+              <a:t>2024-11-28</a:t>
             </a:fld>
             <a:endParaRPr lang="ko-KR" altLang="en-US"/>
           </a:p>
@@ -1820,7 +1824,7 @@
           <a:p>
             <a:fld id="{52621CA2-F6D9-4D78-B139-5B0FD6ACA0EB}" type="datetimeFigureOut">
               <a:rPr lang="ko-KR" altLang="en-US" smtClean="0"/>
-              <a:t>2024-11-27</a:t>
+              <a:t>2024-11-28</a:t>
             </a:fld>
             <a:endParaRPr lang="ko-KR" altLang="en-US"/>
           </a:p>
@@ -1961,7 +1965,7 @@
           <a:p>
             <a:fld id="{52621CA2-F6D9-4D78-B139-5B0FD6ACA0EB}" type="datetimeFigureOut">
               <a:rPr lang="ko-KR" altLang="en-US" smtClean="0"/>
-              <a:t>2024-11-27</a:t>
+              <a:t>2024-11-28</a:t>
             </a:fld>
             <a:endParaRPr lang="ko-KR" altLang="en-US"/>
           </a:p>
@@ -2074,7 +2078,7 @@
           <a:p>
             <a:fld id="{52621CA2-F6D9-4D78-B139-5B0FD6ACA0EB}" type="datetimeFigureOut">
               <a:rPr lang="ko-KR" altLang="en-US" smtClean="0"/>
-              <a:t>2024-11-27</a:t>
+              <a:t>2024-11-28</a:t>
             </a:fld>
             <a:endParaRPr lang="ko-KR" altLang="en-US"/>
           </a:p>
@@ -2385,7 +2389,7 @@
           <a:p>
             <a:fld id="{52621CA2-F6D9-4D78-B139-5B0FD6ACA0EB}" type="datetimeFigureOut">
               <a:rPr lang="ko-KR" altLang="en-US" smtClean="0"/>
-              <a:t>2024-11-27</a:t>
+              <a:t>2024-11-28</a:t>
             </a:fld>
             <a:endParaRPr lang="ko-KR" altLang="en-US"/>
           </a:p>
@@ -2673,7 +2677,7 @@
           <a:p>
             <a:fld id="{52621CA2-F6D9-4D78-B139-5B0FD6ACA0EB}" type="datetimeFigureOut">
               <a:rPr lang="ko-KR" altLang="en-US" smtClean="0"/>
-              <a:t>2024-11-27</a:t>
+              <a:t>2024-11-28</a:t>
             </a:fld>
             <a:endParaRPr lang="ko-KR" altLang="en-US"/>
           </a:p>
@@ -2914,7 +2918,7 @@
           <a:p>
             <a:fld id="{52621CA2-F6D9-4D78-B139-5B0FD6ACA0EB}" type="datetimeFigureOut">
               <a:rPr lang="ko-KR" altLang="en-US" smtClean="0"/>
-              <a:t>2024-11-27</a:t>
+              <a:t>2024-11-28</a:t>
             </a:fld>
             <a:endParaRPr lang="ko-KR" altLang="en-US"/>
           </a:p>
@@ -3445,7 +3449,7 @@
             </a:r>
             <a:r>
               <a:rPr lang="ko-KR" altLang="en-US" dirty="0"/>
-              <a:t>개발일정</a:t>
+              <a:t>개발계획</a:t>
             </a:r>
           </a:p>
         </p:txBody>
@@ -3468,107 +3472,15 @@
         </p:nvSpPr>
         <p:spPr/>
         <p:txBody>
-          <a:bodyPr/>
+          <a:bodyPr>
+            <a:normAutofit/>
+          </a:bodyPr>
           <a:lstStyle/>
           <a:p>
             <a:pPr marL="0" indent="0">
-              <a:buNone/>
-            </a:pPr>
-            <a:r>
-              <a:rPr lang="en-US" altLang="ko-KR" dirty="0"/>
-              <a:t>1) </a:t>
-            </a:r>
-            <a:r>
-              <a:rPr lang="ko-KR" altLang="en-US" dirty="0"/>
-              <a:t>참여 인력 및 역할 분담</a:t>
-            </a:r>
-          </a:p>
-        </p:txBody>
-      </p:sp>
-    </p:spTree>
-    <p:extLst>
-      <p:ext uri="{BB962C8B-B14F-4D97-AF65-F5344CB8AC3E}">
-        <p14:creationId xmlns:p14="http://schemas.microsoft.com/office/powerpoint/2010/main" val="1824362074"/>
-      </p:ext>
-    </p:extLst>
-  </p:cSld>
-  <p:clrMapOvr>
-    <a:masterClrMapping/>
-  </p:clrMapOvr>
-</p:sld>
-</file>
-
-<file path=ppt/slides/slide11.xml><?xml version="1.0" encoding="utf-8"?>
-<p:sld xmlns:a="http://schemas.openxmlformats.org/drawingml/2006/main" xmlns:r="http://schemas.openxmlformats.org/officeDocument/2006/relationships" xmlns:p="http://schemas.openxmlformats.org/presentationml/2006/main">
-  <p:cSld>
-    <p:spTree>
-      <p:nvGrpSpPr>
-        <p:cNvPr id="1" name=""/>
-        <p:cNvGrpSpPr/>
-        <p:nvPr/>
-      </p:nvGrpSpPr>
-      <p:grpSpPr>
-        <a:xfrm>
-          <a:off x="0" y="0"/>
-          <a:ext cx="0" cy="0"/>
-          <a:chOff x="0" y="0"/>
-          <a:chExt cx="0" cy="0"/>
-        </a:xfrm>
-      </p:grpSpPr>
-      <p:sp>
-        <p:nvSpPr>
-          <p:cNvPr id="2" name="제목 1">
-            <a:extLst>
-              <a:ext uri="{FF2B5EF4-FFF2-40B4-BE49-F238E27FC236}">
-                <a16:creationId xmlns:a16="http://schemas.microsoft.com/office/drawing/2014/main" id="{7D4C5D21-3CE7-4649-AB23-763B85A97821}"/>
-              </a:ext>
-            </a:extLst>
-          </p:cNvPr>
-          <p:cNvSpPr>
-            <a:spLocks noGrp="1"/>
-          </p:cNvSpPr>
-          <p:nvPr>
-            <p:ph type="title"/>
-          </p:nvPr>
-        </p:nvSpPr>
-        <p:spPr/>
-        <p:txBody>
-          <a:bodyPr/>
-          <a:lstStyle/>
-          <a:p>
-            <a:r>
-              <a:rPr lang="en-US" altLang="ko-KR" dirty="0"/>
-              <a:t>3. </a:t>
-            </a:r>
-            <a:r>
-              <a:rPr lang="ko-KR" altLang="en-US" dirty="0"/>
-              <a:t>개발일정</a:t>
-            </a:r>
-          </a:p>
-        </p:txBody>
-      </p:sp>
-      <p:sp>
-        <p:nvSpPr>
-          <p:cNvPr id="3" name="내용 개체 틀 2">
-            <a:extLst>
-              <a:ext uri="{FF2B5EF4-FFF2-40B4-BE49-F238E27FC236}">
-                <a16:creationId xmlns:a16="http://schemas.microsoft.com/office/drawing/2014/main" id="{E47E6EE8-D922-F2A4-88EF-317A8D0327B1}"/>
-              </a:ext>
-            </a:extLst>
-          </p:cNvPr>
-          <p:cNvSpPr>
-            <a:spLocks noGrp="1"/>
-          </p:cNvSpPr>
-          <p:nvPr>
-            <p:ph idx="1"/>
-          </p:nvPr>
-        </p:nvSpPr>
-        <p:spPr/>
-        <p:txBody>
-          <a:bodyPr/>
-          <a:lstStyle/>
-          <a:p>
-            <a:pPr marL="0" indent="0">
+              <a:lnSpc>
+                <a:spcPct val="150000"/>
+              </a:lnSpc>
               <a:buNone/>
             </a:pPr>
             <a:r>
@@ -3578,6 +3490,74 @@
             <a:r>
               <a:rPr lang="ko-KR" altLang="en-US" dirty="0"/>
               <a:t>개발 일정</a:t>
+            </a:r>
+            <a:endParaRPr lang="en-US" altLang="ko-KR" dirty="0"/>
+          </a:p>
+          <a:p>
+            <a:pPr marL="0" indent="0">
+              <a:lnSpc>
+                <a:spcPct val="150000"/>
+              </a:lnSpc>
+              <a:buNone/>
+            </a:pPr>
+            <a:r>
+              <a:rPr lang="en-US" altLang="ko-KR" dirty="0"/>
+              <a:t>11/21 - 26 : </a:t>
+            </a:r>
+            <a:r>
+              <a:rPr lang="ko-KR" altLang="en-US" dirty="0"/>
+              <a:t>기획</a:t>
+            </a:r>
+            <a:endParaRPr lang="en-US" altLang="ko-KR" dirty="0"/>
+          </a:p>
+          <a:p>
+            <a:pPr marL="0" indent="0">
+              <a:lnSpc>
+                <a:spcPct val="150000"/>
+              </a:lnSpc>
+              <a:buNone/>
+            </a:pPr>
+            <a:r>
+              <a:rPr lang="en-US" altLang="ko-KR" dirty="0"/>
+              <a:t>11/27- 12/2 : </a:t>
+            </a:r>
+            <a:r>
+              <a:rPr lang="ko-KR" altLang="en-US" dirty="0"/>
+              <a:t>프로토 타입 제작</a:t>
+            </a:r>
+            <a:endParaRPr lang="en-US" altLang="ko-KR" dirty="0"/>
+          </a:p>
+          <a:p>
+            <a:pPr marL="0" indent="0">
+              <a:lnSpc>
+                <a:spcPct val="150000"/>
+              </a:lnSpc>
+              <a:buNone/>
+            </a:pPr>
+            <a:r>
+              <a:rPr lang="en-US" altLang="ko-KR" dirty="0"/>
+              <a:t>12/3 - 12/13 : </a:t>
+            </a:r>
+            <a:r>
+              <a:rPr lang="ko-KR" altLang="en-US" dirty="0"/>
+              <a:t>게임 전체 구현</a:t>
+            </a:r>
+            <a:endParaRPr lang="en-US" altLang="ko-KR" dirty="0"/>
+          </a:p>
+          <a:p>
+            <a:pPr marL="0" indent="0">
+              <a:lnSpc>
+                <a:spcPct val="150000"/>
+              </a:lnSpc>
+              <a:buNone/>
+            </a:pPr>
+            <a:r>
+              <a:rPr lang="en-US" altLang="ko-KR" dirty="0"/>
+              <a:t>12/14 - 12/26 : </a:t>
+            </a:r>
+            <a:r>
+              <a:rPr lang="ko-KR" altLang="en-US" dirty="0"/>
+              <a:t>상세 버그 수정</a:t>
             </a:r>
           </a:p>
         </p:txBody>
@@ -3662,6 +3642,9 @@
           <a:lstStyle/>
           <a:p>
             <a:pPr marL="514350" indent="-514350">
+              <a:lnSpc>
+                <a:spcPct val="200000"/>
+              </a:lnSpc>
               <a:buAutoNum type="arabicPeriod"/>
             </a:pPr>
             <a:r>
@@ -3672,6 +3655,9 @@
           </a:p>
           <a:p>
             <a:pPr marL="514350" indent="-514350">
+              <a:lnSpc>
+                <a:spcPct val="200000"/>
+              </a:lnSpc>
               <a:buAutoNum type="arabicPeriod"/>
             </a:pPr>
             <a:r>
@@ -3682,6 +3668,9 @@
           </a:p>
           <a:p>
             <a:pPr marL="514350" indent="-514350">
+              <a:lnSpc>
+                <a:spcPct val="200000"/>
+              </a:lnSpc>
               <a:buAutoNum type="arabicPeriod"/>
             </a:pPr>
             <a:r>
@@ -3774,16 +3763,104 @@
           <a:bodyPr/>
           <a:lstStyle/>
           <a:p>
+            <a:pPr marL="514350" indent="-514350">
+              <a:lnSpc>
+                <a:spcPct val="150000"/>
+              </a:lnSpc>
+              <a:buAutoNum type="arabicParenR"/>
+            </a:pPr>
+            <a:r>
+              <a:rPr lang="ko-KR" altLang="en-US" dirty="0"/>
+              <a:t>기획의도</a:t>
+            </a:r>
+            <a:endParaRPr lang="en-US" altLang="ko-KR" dirty="0"/>
+          </a:p>
+          <a:p>
             <a:pPr marL="0" indent="0">
+              <a:lnSpc>
+                <a:spcPct val="150000"/>
+              </a:lnSpc>
               <a:buNone/>
             </a:pPr>
             <a:r>
+              <a:rPr lang="ko-KR" altLang="en-US" dirty="0"/>
+              <a:t>플레이어가 우주선에 잠입하여 최종적으로 우주선 전체를 장악하는 </a:t>
+            </a:r>
+            <a:r>
+              <a:rPr lang="ko-KR" altLang="en-US" dirty="0" err="1">
+                <a:solidFill>
+                  <a:srgbClr val="FF0000"/>
+                </a:solidFill>
+              </a:rPr>
+              <a:t>방탈출</a:t>
+            </a:r>
+            <a:r>
+              <a:rPr lang="ko-KR" altLang="en-US" dirty="0"/>
+              <a:t> 게임이다</a:t>
+            </a:r>
+            <a:r>
               <a:rPr lang="en-US" altLang="ko-KR" dirty="0"/>
-              <a:t>1) </a:t>
-            </a:r>
-            <a:r>
-              <a:rPr lang="ko-KR" altLang="en-US" dirty="0"/>
-              <a:t>기획의도</a:t>
+              <a:t>.</a:t>
+            </a:r>
+          </a:p>
+          <a:p>
+            <a:pPr marL="0" indent="0">
+              <a:lnSpc>
+                <a:spcPct val="150000"/>
+              </a:lnSpc>
+              <a:buNone/>
+            </a:pPr>
+            <a:r>
+              <a:rPr lang="en-US" altLang="ko-KR" dirty="0"/>
+              <a:t>1</a:t>
+            </a:r>
+            <a:r>
+              <a:rPr lang="ko-KR" altLang="en-US" dirty="0"/>
+              <a:t>층에서의 퍼즐을 통해 추리하며 해결한 뒤의 </a:t>
+            </a:r>
+            <a:r>
+              <a:rPr lang="ko-KR" altLang="en-US" dirty="0">
+                <a:solidFill>
+                  <a:srgbClr val="0070C0"/>
+                </a:solidFill>
+              </a:rPr>
+              <a:t>성취감</a:t>
+            </a:r>
+            <a:r>
+              <a:rPr lang="en-US" altLang="ko-KR" dirty="0"/>
+              <a:t>, 2</a:t>
+            </a:r>
+            <a:r>
+              <a:rPr lang="ko-KR" altLang="en-US" dirty="0"/>
+              <a:t>층에서의 잠입 액션을 통하여 </a:t>
+            </a:r>
+            <a:r>
+              <a:rPr lang="ko-KR" altLang="en-US" dirty="0">
+                <a:solidFill>
+                  <a:srgbClr val="0070C0"/>
+                </a:solidFill>
+              </a:rPr>
+              <a:t>스릴감</a:t>
+            </a:r>
+            <a:r>
+              <a:rPr lang="ko-KR" altLang="en-US" dirty="0"/>
+              <a:t>과 </a:t>
+            </a:r>
+            <a:r>
+              <a:rPr lang="ko-KR" altLang="en-US" dirty="0">
+                <a:solidFill>
+                  <a:srgbClr val="0070C0"/>
+                </a:solidFill>
+              </a:rPr>
+              <a:t>긴박함</a:t>
+            </a:r>
+            <a:r>
+              <a:rPr lang="ko-KR" altLang="en-US" dirty="0"/>
+              <a:t>을 체험하게 하고자 한다</a:t>
+            </a:r>
+            <a:r>
+              <a:rPr lang="en-US" altLang="ko-KR" dirty="0"/>
+              <a:t>.</a:t>
             </a:r>
           </a:p>
         </p:txBody>
@@ -3823,7 +3900,7 @@
           <p:cNvPr id="2" name="제목 1">
             <a:extLst>
               <a:ext uri="{FF2B5EF4-FFF2-40B4-BE49-F238E27FC236}">
-                <a16:creationId xmlns:a16="http://schemas.microsoft.com/office/drawing/2014/main" id="{7D4C5D21-3CE7-4649-AB23-763B85A97821}"/>
+                <a16:creationId xmlns:a16="http://schemas.microsoft.com/office/drawing/2014/main" id="{BB830265-3958-470B-8326-F825903F5C9D}"/>
               </a:ext>
             </a:extLst>
           </p:cNvPr>
@@ -3850,53 +3927,69 @@
           </a:p>
         </p:txBody>
       </p:sp>
-      <p:sp>
-        <p:nvSpPr>
-          <p:cNvPr id="3" name="내용 개체 틀 2">
-            <a:extLst>
-              <a:ext uri="{FF2B5EF4-FFF2-40B4-BE49-F238E27FC236}">
-                <a16:creationId xmlns:a16="http://schemas.microsoft.com/office/drawing/2014/main" id="{E47E6EE8-D922-F2A4-88EF-317A8D0327B1}"/>
-              </a:ext>
-            </a:extLst>
-          </p:cNvPr>
-          <p:cNvSpPr>
-            <a:spLocks noGrp="1"/>
-          </p:cNvSpPr>
+      <p:pic>
+        <p:nvPicPr>
+          <p:cNvPr id="5" name="내용 개체 틀 4">
+            <a:extLst>
+              <a:ext uri="{FF2B5EF4-FFF2-40B4-BE49-F238E27FC236}">
+                <a16:creationId xmlns:a16="http://schemas.microsoft.com/office/drawing/2014/main" id="{9AED0C6D-ADB3-0061-EE39-A646C11947FA}"/>
+              </a:ext>
+            </a:extLst>
+          </p:cNvPr>
+          <p:cNvPicPr>
+            <a:picLocks noGrp="1" noChangeAspect="1"/>
+          </p:cNvPicPr>
           <p:nvPr>
             <p:ph idx="1"/>
           </p:nvPr>
-        </p:nvSpPr>
-        <p:spPr/>
-        <p:txBody>
-          <a:bodyPr/>
-          <a:lstStyle/>
-          <a:p>
-            <a:pPr marL="0" indent="0">
-              <a:buNone/>
-            </a:pPr>
-            <a:r>
-              <a:rPr lang="en-US" altLang="ko-KR" dirty="0"/>
-              <a:t>2) </a:t>
-            </a:r>
-            <a:r>
-              <a:rPr lang="ko-KR" altLang="en-US" dirty="0"/>
-              <a:t>타겟</a:t>
-            </a:r>
-            <a:r>
-              <a:rPr lang="en-US" altLang="ko-KR" dirty="0"/>
-              <a:t>, </a:t>
-            </a:r>
-            <a:r>
-              <a:rPr lang="ko-KR" altLang="en-US" dirty="0"/>
-              <a:t>플랫폼</a:t>
-            </a:r>
-          </a:p>
-        </p:txBody>
-      </p:sp>
+        </p:nvPicPr>
+        <p:blipFill>
+          <a:blip r:embed="rId2"/>
+          <a:stretch>
+            <a:fillRect/>
+          </a:stretch>
+        </p:blipFill>
+        <p:spPr>
+          <a:xfrm>
+            <a:off x="6186269" y="2012748"/>
+            <a:ext cx="5718603" cy="4351338"/>
+          </a:xfrm>
+        </p:spPr>
+      </p:pic>
+      <p:pic>
+        <p:nvPicPr>
+          <p:cNvPr id="7" name="그림 6">
+            <a:extLst>
+              <a:ext uri="{FF2B5EF4-FFF2-40B4-BE49-F238E27FC236}">
+                <a16:creationId xmlns:a16="http://schemas.microsoft.com/office/drawing/2014/main" id="{C2568FD0-D9A4-8020-B7CD-6CCE4EFF80CB}"/>
+              </a:ext>
+            </a:extLst>
+          </p:cNvPr>
+          <p:cNvPicPr>
+            <a:picLocks noChangeAspect="1"/>
+          </p:cNvPicPr>
+          <p:nvPr/>
+        </p:nvPicPr>
+        <p:blipFill>
+          <a:blip r:embed="rId3"/>
+          <a:stretch>
+            <a:fillRect/>
+          </a:stretch>
+        </p:blipFill>
+        <p:spPr>
+          <a:xfrm>
+            <a:off x="377397" y="1492518"/>
+            <a:ext cx="5628336" cy="5000357"/>
+          </a:xfrm>
+          <a:prstGeom prst="rect">
+            <a:avLst/>
+          </a:prstGeom>
+        </p:spPr>
+      </p:pic>
     </p:spTree>
     <p:extLst>
       <p:ext uri="{BB962C8B-B14F-4D97-AF65-F5344CB8AC3E}">
-        <p14:creationId xmlns:p14="http://schemas.microsoft.com/office/powerpoint/2010/main" val="4112356476"/>
+        <p14:creationId xmlns:p14="http://schemas.microsoft.com/office/powerpoint/2010/main" val="2949558699"/>
       </p:ext>
     </p:extLst>
   </p:cSld>
@@ -3946,11 +4039,11 @@
           <a:p>
             <a:r>
               <a:rPr lang="en-US" altLang="ko-KR" dirty="0"/>
-              <a:t>1. </a:t>
-            </a:r>
-            <a:r>
-              <a:rPr lang="ko-KR" altLang="en-US" dirty="0"/>
-              <a:t>개요</a:t>
+              <a:t>2. </a:t>
+            </a:r>
+            <a:r>
+              <a:rPr lang="ko-KR" altLang="en-US" dirty="0"/>
+              <a:t>게임소개</a:t>
             </a:r>
           </a:p>
         </p:txBody>
@@ -3973,27 +4066,161 @@
         </p:nvSpPr>
         <p:spPr/>
         <p:txBody>
-          <a:bodyPr/>
+          <a:bodyPr>
+            <a:normAutofit lnSpcReduction="10000"/>
+          </a:bodyPr>
           <a:lstStyle/>
           <a:p>
             <a:pPr marL="0" indent="0">
+              <a:lnSpc>
+                <a:spcPct val="150000"/>
+              </a:lnSpc>
               <a:buNone/>
             </a:pPr>
             <a:r>
               <a:rPr lang="en-US" altLang="ko-KR" dirty="0"/>
-              <a:t>3) </a:t>
-            </a:r>
-            <a:r>
-              <a:rPr lang="ko-KR" altLang="en-US" dirty="0"/>
-              <a:t>장르</a:t>
-            </a:r>
+              <a:t>1) </a:t>
+            </a:r>
+            <a:r>
+              <a:rPr lang="ko-KR" altLang="en-US" dirty="0"/>
+              <a:t>게임 상세</a:t>
+            </a:r>
+            <a:endParaRPr lang="en-US" altLang="ko-KR" dirty="0"/>
+          </a:p>
+          <a:p>
+            <a:pPr>
+              <a:lnSpc>
+                <a:spcPct val="150000"/>
+              </a:lnSpc>
+              <a:buFontTx/>
+              <a:buChar char="-"/>
+            </a:pPr>
+            <a:r>
+              <a:rPr lang="ko-KR" altLang="en-US" dirty="0">
+                <a:solidFill>
+                  <a:srgbClr val="0070C0"/>
+                </a:solidFill>
+              </a:rPr>
+              <a:t>싱글 플레이어</a:t>
+            </a:r>
+            <a:r>
+              <a:rPr lang="en-US" altLang="ko-KR" dirty="0">
+                <a:solidFill>
+                  <a:srgbClr val="0070C0"/>
+                </a:solidFill>
+              </a:rPr>
+              <a:t>, 1</a:t>
+            </a:r>
+            <a:r>
+              <a:rPr lang="ko-KR" altLang="en-US" dirty="0">
+                <a:solidFill>
+                  <a:srgbClr val="0070C0"/>
+                </a:solidFill>
+              </a:rPr>
+              <a:t>인칭 게임</a:t>
+            </a:r>
+            <a:endParaRPr lang="en-US" altLang="ko-KR" dirty="0">
+              <a:solidFill>
+                <a:srgbClr val="0070C0"/>
+              </a:solidFill>
+            </a:endParaRPr>
+          </a:p>
+          <a:p>
+            <a:pPr>
+              <a:lnSpc>
+                <a:spcPct val="150000"/>
+              </a:lnSpc>
+              <a:buFontTx/>
+              <a:buChar char="-"/>
+            </a:pPr>
+            <a:r>
+              <a:rPr lang="ko-KR" altLang="en-US" dirty="0"/>
+              <a:t>적과의 조우를 피하며 잠입하는 과정이 주 컨텐츠</a:t>
+            </a:r>
+            <a:endParaRPr lang="en-US" altLang="ko-KR" dirty="0"/>
+          </a:p>
+          <a:p>
+            <a:pPr>
+              <a:lnSpc>
+                <a:spcPct val="150000"/>
+              </a:lnSpc>
+              <a:buFontTx/>
+              <a:buChar char="-"/>
+            </a:pPr>
+            <a:r>
+              <a:rPr lang="ko-KR" altLang="en-US" dirty="0"/>
+              <a:t>컨트롤 요소가 다양하고 퍼즐 요소도 포함되어 있기에 </a:t>
+            </a:r>
+            <a:r>
+              <a:rPr lang="en-US" altLang="ko-KR" dirty="0"/>
+              <a:t>10-20</a:t>
+            </a:r>
+            <a:r>
+              <a:rPr lang="ko-KR" altLang="en-US" dirty="0"/>
+              <a:t>대를 타겟으로 삼고 있음</a:t>
+            </a:r>
+            <a:endParaRPr lang="en-US" altLang="ko-KR" dirty="0"/>
+          </a:p>
+          <a:p>
+            <a:pPr>
+              <a:lnSpc>
+                <a:spcPct val="150000"/>
+              </a:lnSpc>
+              <a:buFontTx/>
+              <a:buChar char="-"/>
+            </a:pPr>
+            <a:r>
+              <a:rPr lang="ko-KR" altLang="en-US" dirty="0"/>
+              <a:t>장르 </a:t>
+            </a:r>
+            <a:r>
+              <a:rPr lang="en-US" altLang="ko-KR" dirty="0"/>
+              <a:t>: </a:t>
+            </a:r>
+            <a:r>
+              <a:rPr lang="ko-KR" altLang="en-US" dirty="0">
+                <a:solidFill>
+                  <a:srgbClr val="0070C0"/>
+                </a:solidFill>
+              </a:rPr>
+              <a:t>퍼즐</a:t>
+            </a:r>
+            <a:r>
+              <a:rPr lang="en-US" altLang="ko-KR" dirty="0">
+                <a:solidFill>
+                  <a:srgbClr val="0070C0"/>
+                </a:solidFill>
+              </a:rPr>
+              <a:t>, </a:t>
+            </a:r>
+            <a:r>
+              <a:rPr lang="ko-KR" altLang="en-US" dirty="0" err="1">
+                <a:solidFill>
+                  <a:srgbClr val="0070C0"/>
+                </a:solidFill>
+              </a:rPr>
+              <a:t>방탈출</a:t>
+            </a:r>
+            <a:r>
+              <a:rPr lang="en-US" altLang="ko-KR" dirty="0">
+                <a:solidFill>
+                  <a:srgbClr val="0070C0"/>
+                </a:solidFill>
+              </a:rPr>
+              <a:t>, FPS</a:t>
+            </a:r>
+            <a:endParaRPr lang="ko-KR" altLang="en-US" dirty="0">
+              <a:solidFill>
+                <a:srgbClr val="0070C0"/>
+              </a:solidFill>
+            </a:endParaRPr>
           </a:p>
         </p:txBody>
       </p:sp>
     </p:spTree>
     <p:extLst>
       <p:ext uri="{BB962C8B-B14F-4D97-AF65-F5344CB8AC3E}">
-        <p14:creationId xmlns:p14="http://schemas.microsoft.com/office/powerpoint/2010/main" val="3745341520"/>
+        <p14:creationId xmlns:p14="http://schemas.microsoft.com/office/powerpoint/2010/main" val="4112356476"/>
       </p:ext>
     </p:extLst>
   </p:cSld>
@@ -4074,23 +4301,97 @@
           <a:lstStyle/>
           <a:p>
             <a:pPr marL="0" indent="0">
+              <a:lnSpc>
+                <a:spcPct val="150000"/>
+              </a:lnSpc>
               <a:buNone/>
             </a:pPr>
             <a:r>
               <a:rPr lang="en-US" altLang="ko-KR" dirty="0"/>
-              <a:t>1) </a:t>
-            </a:r>
-            <a:r>
-              <a:rPr lang="ko-KR" altLang="en-US" dirty="0"/>
-              <a:t>플레이 방식</a:t>
-            </a:r>
+              <a:t>2) </a:t>
+            </a:r>
+            <a:r>
+              <a:rPr lang="ko-KR" altLang="en-US" dirty="0"/>
+              <a:t>디자인 컨셉</a:t>
+            </a:r>
+            <a:endParaRPr lang="en-US" altLang="ko-KR" dirty="0"/>
+          </a:p>
+          <a:p>
+            <a:pPr>
+              <a:lnSpc>
+                <a:spcPct val="150000"/>
+              </a:lnSpc>
+              <a:buFontTx/>
+              <a:buChar char="-"/>
+            </a:pPr>
+            <a:r>
+              <a:rPr lang="ko-KR" altLang="en-US" sz="2700" dirty="0"/>
+              <a:t>유니티를 이용한 게임이나 </a:t>
+            </a:r>
+            <a:r>
+              <a:rPr lang="en-US" altLang="ko-KR" sz="2700" dirty="0"/>
+              <a:t>VR</a:t>
+            </a:r>
+            <a:r>
+              <a:rPr lang="ko-KR" altLang="en-US" sz="2700" dirty="0"/>
+              <a:t> 게임이므로 </a:t>
+            </a:r>
+            <a:r>
+              <a:rPr lang="ko-KR" altLang="en-US" sz="2700" dirty="0">
+                <a:solidFill>
+                  <a:srgbClr val="0070C0"/>
+                </a:solidFill>
+              </a:rPr>
+              <a:t>현실적인 그래픽 </a:t>
+            </a:r>
+            <a:r>
+              <a:rPr lang="ko-KR" altLang="en-US" sz="2700" dirty="0"/>
+              <a:t>구현</a:t>
+            </a:r>
+            <a:endParaRPr lang="en-US" altLang="ko-KR" sz="2700" dirty="0"/>
+          </a:p>
+          <a:p>
+            <a:pPr>
+              <a:lnSpc>
+                <a:spcPct val="150000"/>
+              </a:lnSpc>
+              <a:buFontTx/>
+              <a:buChar char="-"/>
+            </a:pPr>
+            <a:r>
+              <a:rPr lang="en-US" altLang="ko-KR" sz="2700" dirty="0"/>
+              <a:t>1</a:t>
+            </a:r>
+            <a:r>
+              <a:rPr lang="ko-KR" altLang="en-US" sz="2700" dirty="0"/>
+              <a:t>인칭 게임으로 플레이어 본인의 전체 모습은 확인 불가</a:t>
+            </a:r>
+            <a:endParaRPr lang="en-US" altLang="ko-KR" sz="2700" dirty="0"/>
+          </a:p>
+          <a:p>
+            <a:pPr>
+              <a:lnSpc>
+                <a:spcPct val="150000"/>
+              </a:lnSpc>
+              <a:buFontTx/>
+              <a:buChar char="-"/>
+            </a:pPr>
+            <a:r>
+              <a:rPr lang="ko-KR" altLang="en-US" sz="2700" dirty="0"/>
+              <a:t>플레이어의 성별은 남성으로 잠입을 위한 튼튼한 옷을 입고 있다</a:t>
+            </a:r>
+            <a:r>
+              <a:rPr lang="en-US" altLang="ko-KR" sz="2700" dirty="0"/>
+              <a:t>.</a:t>
+            </a:r>
+            <a:endParaRPr lang="ko-KR" altLang="en-US" sz="2700" dirty="0"/>
           </a:p>
         </p:txBody>
       </p:sp>
     </p:spTree>
     <p:extLst>
       <p:ext uri="{BB962C8B-B14F-4D97-AF65-F5344CB8AC3E}">
-        <p14:creationId xmlns:p14="http://schemas.microsoft.com/office/powerpoint/2010/main" val="3868561323"/>
+        <p14:creationId xmlns:p14="http://schemas.microsoft.com/office/powerpoint/2010/main" val="3762931917"/>
       </p:ext>
     </p:extLst>
   </p:cSld>
@@ -4171,23 +4472,120 @@
           <a:lstStyle/>
           <a:p>
             <a:pPr marL="0" indent="0">
+              <a:lnSpc>
+                <a:spcPct val="150000"/>
+              </a:lnSpc>
               <a:buNone/>
             </a:pPr>
             <a:r>
               <a:rPr lang="en-US" altLang="ko-KR" dirty="0"/>
-              <a:t>2) </a:t>
-            </a:r>
-            <a:r>
-              <a:rPr lang="ko-KR" altLang="en-US" dirty="0"/>
-              <a:t>디자인 컨셉</a:t>
-            </a:r>
+              <a:t>3) </a:t>
+            </a:r>
+            <a:r>
+              <a:rPr lang="ko-KR" altLang="en-US" dirty="0"/>
+              <a:t>세계관</a:t>
+            </a:r>
+            <a:endParaRPr lang="en-US" altLang="ko-KR" dirty="0"/>
+          </a:p>
+          <a:p>
+            <a:pPr marL="0" indent="0">
+              <a:lnSpc>
+                <a:spcPct val="150000"/>
+              </a:lnSpc>
+              <a:buNone/>
+            </a:pPr>
+            <a:r>
+              <a:rPr lang="en-US" altLang="ko-KR" dirty="0"/>
+              <a:t>2XXX</a:t>
+            </a:r>
+            <a:r>
+              <a:rPr lang="ko-KR" altLang="en-US" dirty="0"/>
+              <a:t>년 플레이어는 한 우주선에 잠입하여 커맨드 센터를 장악하라는 임무를 받고 </a:t>
+            </a:r>
+            <a:r>
+              <a:rPr lang="ko-KR" altLang="en-US" dirty="0">
+                <a:solidFill>
+                  <a:srgbClr val="0070C0"/>
+                </a:solidFill>
+              </a:rPr>
+              <a:t>우주선으로 침입하게 </a:t>
+            </a:r>
+            <a:r>
+              <a:rPr lang="ko-KR" altLang="en-US" dirty="0"/>
+              <a:t>된다</a:t>
+            </a:r>
+            <a:r>
+              <a:rPr lang="en-US" altLang="ko-KR" dirty="0"/>
+              <a:t>. </a:t>
+            </a:r>
+            <a:r>
+              <a:rPr lang="ko-KR" altLang="en-US" dirty="0"/>
+              <a:t>우주선의 구조는 </a:t>
+            </a:r>
+            <a:r>
+              <a:rPr lang="en-US" altLang="ko-KR" dirty="0"/>
+              <a:t>3</a:t>
+            </a:r>
+            <a:r>
+              <a:rPr lang="ko-KR" altLang="en-US" dirty="0"/>
+              <a:t>층으로 </a:t>
+            </a:r>
+            <a:r>
+              <a:rPr lang="en-US" altLang="ko-KR" dirty="0"/>
+              <a:t>1</a:t>
+            </a:r>
+            <a:r>
+              <a:rPr lang="ko-KR" altLang="en-US" dirty="0"/>
+              <a:t>층에서 몰래 침입한 뒤 은신을 위해 전체 불을 끄고 </a:t>
+            </a:r>
+            <a:r>
+              <a:rPr lang="en-US" altLang="ko-KR" dirty="0"/>
+              <a:t>2</a:t>
+            </a:r>
+            <a:r>
+              <a:rPr lang="ko-KR" altLang="en-US" dirty="0"/>
+              <a:t>층에서의 잠입 및 전투를 진행한다</a:t>
+            </a:r>
+            <a:r>
+              <a:rPr lang="en-US" altLang="ko-KR" dirty="0"/>
+              <a:t>. </a:t>
+            </a:r>
+            <a:r>
+              <a:rPr lang="ko-KR" altLang="en-US" dirty="0"/>
+              <a:t>최종적으로 </a:t>
+            </a:r>
+            <a:r>
+              <a:rPr lang="en-US" altLang="ko-KR" dirty="0"/>
+              <a:t>3</a:t>
+            </a:r>
+            <a:r>
+              <a:rPr lang="ko-KR" altLang="en-US" dirty="0"/>
+              <a:t>층의 우주선 함장과의 전투를 하여 </a:t>
+            </a:r>
+            <a:r>
+              <a:rPr lang="ko-KR" altLang="en-US" dirty="0">
+                <a:solidFill>
+                  <a:srgbClr val="0070C0"/>
+                </a:solidFill>
+              </a:rPr>
+              <a:t>우주선을 장악한 뒤 임무를 완료하게 </a:t>
+            </a:r>
+            <a:r>
+              <a:rPr lang="ko-KR" altLang="en-US" dirty="0"/>
+              <a:t>된다</a:t>
+            </a:r>
+            <a:r>
+              <a:rPr lang="en-US" altLang="ko-KR" dirty="0"/>
+              <a:t>.</a:t>
+            </a:r>
+            <a:endParaRPr lang="ko-KR" altLang="en-US" dirty="0"/>
           </a:p>
         </p:txBody>
       </p:sp>
     </p:spTree>
     <p:extLst>
       <p:ext uri="{BB962C8B-B14F-4D97-AF65-F5344CB8AC3E}">
-        <p14:creationId xmlns:p14="http://schemas.microsoft.com/office/powerpoint/2010/main" val="3762931917"/>
+        <p14:creationId xmlns:p14="http://schemas.microsoft.com/office/powerpoint/2010/main" val="3761638212"/>
       </p:ext>
     </p:extLst>
   </p:cSld>
@@ -4268,23 +4666,115 @@
           <a:lstStyle/>
           <a:p>
             <a:pPr marL="0" indent="0">
+              <a:lnSpc>
+                <a:spcPct val="150000"/>
+              </a:lnSpc>
               <a:buNone/>
             </a:pPr>
             <a:r>
               <a:rPr lang="en-US" altLang="ko-KR" dirty="0"/>
-              <a:t>3) </a:t>
-            </a:r>
-            <a:r>
-              <a:rPr lang="ko-KR" altLang="en-US" dirty="0"/>
-              <a:t>세계관</a:t>
-            </a:r>
+              <a:t>4) </a:t>
+            </a:r>
+            <a:r>
+              <a:rPr lang="ko-KR" altLang="en-US"/>
+              <a:t>게임 진행 과정</a:t>
+            </a:r>
+            <a:endParaRPr lang="en-US" altLang="ko-KR" dirty="0"/>
+          </a:p>
+          <a:p>
+            <a:pPr>
+              <a:lnSpc>
+                <a:spcPct val="150000"/>
+              </a:lnSpc>
+              <a:buFontTx/>
+              <a:buChar char="-"/>
+            </a:pPr>
+            <a:r>
+              <a:rPr lang="en-US" altLang="ko-KR" dirty="0"/>
+              <a:t>1</a:t>
+            </a:r>
+            <a:r>
+              <a:rPr lang="ko-KR" altLang="en-US" dirty="0"/>
+              <a:t>층 </a:t>
+            </a:r>
+            <a:r>
+              <a:rPr lang="en-US" altLang="ko-KR" dirty="0"/>
+              <a:t>: </a:t>
+            </a:r>
+            <a:r>
+              <a:rPr lang="ko-KR" altLang="en-US" dirty="0"/>
+              <a:t>퍼즐을 풀고 배전판을 파괴한다</a:t>
+            </a:r>
+            <a:r>
+              <a:rPr lang="en-US" altLang="ko-KR" dirty="0"/>
+              <a:t>.</a:t>
+            </a:r>
+          </a:p>
+          <a:p>
+            <a:pPr>
+              <a:lnSpc>
+                <a:spcPct val="150000"/>
+              </a:lnSpc>
+              <a:buFontTx/>
+              <a:buChar char="-"/>
+            </a:pPr>
+            <a:r>
+              <a:rPr lang="en-US" altLang="ko-KR" dirty="0"/>
+              <a:t>2</a:t>
+            </a:r>
+            <a:r>
+              <a:rPr lang="ko-KR" altLang="en-US" dirty="0"/>
+              <a:t>층 </a:t>
+            </a:r>
+            <a:r>
+              <a:rPr lang="en-US" altLang="ko-KR" dirty="0"/>
+              <a:t>: </a:t>
+            </a:r>
+            <a:r>
+              <a:rPr lang="ko-KR" altLang="en-US" dirty="0"/>
+              <a:t>적을 피해 숨고 퍼즐을 푼 뒤 다음 층으로 진행한다</a:t>
+            </a:r>
+            <a:r>
+              <a:rPr lang="en-US" altLang="ko-KR" dirty="0"/>
+              <a:t>.</a:t>
+            </a:r>
+          </a:p>
+          <a:p>
+            <a:pPr>
+              <a:lnSpc>
+                <a:spcPct val="150000"/>
+              </a:lnSpc>
+              <a:buFontTx/>
+              <a:buChar char="-"/>
+            </a:pPr>
+            <a:r>
+              <a:rPr lang="en-US" altLang="ko-KR" dirty="0"/>
+              <a:t>3</a:t>
+            </a:r>
+            <a:r>
+              <a:rPr lang="ko-KR" altLang="en-US" dirty="0"/>
+              <a:t>층 </a:t>
+            </a:r>
+            <a:r>
+              <a:rPr lang="en-US" altLang="ko-KR" dirty="0"/>
+              <a:t>: </a:t>
+            </a:r>
+            <a:r>
+              <a:rPr lang="ko-KR" altLang="en-US" dirty="0"/>
+              <a:t>함장과의 전면 전투를 한다</a:t>
+            </a:r>
+            <a:r>
+              <a:rPr lang="en-US" altLang="ko-KR" dirty="0"/>
+              <a:t>.</a:t>
+            </a:r>
+            <a:endParaRPr lang="ko-KR" altLang="en-US" dirty="0"/>
           </a:p>
         </p:txBody>
       </p:sp>
     </p:spTree>
     <p:extLst>
       <p:ext uri="{BB962C8B-B14F-4D97-AF65-F5344CB8AC3E}">
-        <p14:creationId xmlns:p14="http://schemas.microsoft.com/office/powerpoint/2010/main" val="3761638212"/>
+        <p14:creationId xmlns:p14="http://schemas.microsoft.com/office/powerpoint/2010/main" val="1803217641"/>
       </p:ext>
     </p:extLst>
   </p:cSld>
@@ -4334,11 +4824,11 @@
           <a:p>
             <a:r>
               <a:rPr lang="en-US" altLang="ko-KR" dirty="0"/>
-              <a:t>2. </a:t>
-            </a:r>
-            <a:r>
-              <a:rPr lang="ko-KR" altLang="en-US" dirty="0"/>
-              <a:t>게임소개</a:t>
+              <a:t>3. </a:t>
+            </a:r>
+            <a:r>
+              <a:rPr lang="ko-KR" altLang="en-US" dirty="0"/>
+              <a:t>개발계획</a:t>
             </a:r>
           </a:p>
         </p:txBody>
@@ -4361,19 +4851,145 @@
         </p:nvSpPr>
         <p:spPr/>
         <p:txBody>
-          <a:bodyPr/>
-          <a:lstStyle/>
+          <a:bodyPr>
+            <a:normAutofit lnSpcReduction="10000"/>
+          </a:bodyPr>
+          <a:lstStyle/>
+          <a:p>
+            <a:pPr marL="514350" indent="-514350">
+              <a:lnSpc>
+                <a:spcPct val="150000"/>
+              </a:lnSpc>
+              <a:buAutoNum type="arabicParenR"/>
+            </a:pPr>
+            <a:r>
+              <a:rPr lang="ko-KR" altLang="en-US" dirty="0"/>
+              <a:t>참여 인력 및 역할 분담</a:t>
+            </a:r>
+            <a:endParaRPr lang="en-US" altLang="ko-KR" dirty="0"/>
+          </a:p>
           <a:p>
             <a:pPr marL="0" indent="0">
+              <a:lnSpc>
+                <a:spcPct val="150000"/>
+              </a:lnSpc>
               <a:buNone/>
             </a:pPr>
             <a:r>
+              <a:rPr lang="ko-KR" altLang="en-US" dirty="0"/>
+              <a:t>강지혜 </a:t>
+            </a:r>
+            <a:r>
               <a:rPr lang="en-US" altLang="ko-KR" dirty="0"/>
-              <a:t>4) </a:t>
-            </a:r>
-            <a:r>
-              <a:rPr lang="ko-KR" altLang="en-US" dirty="0"/>
-              <a:t>게임 주요 시스템</a:t>
+              <a:t>: </a:t>
+            </a:r>
+            <a:r>
+              <a:rPr lang="ko-KR" altLang="en-US" dirty="0"/>
+              <a:t>기획</a:t>
+            </a:r>
+            <a:endParaRPr lang="en-US" altLang="ko-KR" dirty="0"/>
+          </a:p>
+          <a:p>
+            <a:pPr marL="0" indent="0">
+              <a:lnSpc>
+                <a:spcPct val="150000"/>
+              </a:lnSpc>
+              <a:buNone/>
+            </a:pPr>
+            <a:r>
+              <a:rPr lang="ko-KR" altLang="en-US" dirty="0"/>
+              <a:t>김영찬 </a:t>
+            </a:r>
+            <a:r>
+              <a:rPr lang="en-US" altLang="ko-KR" dirty="0"/>
+              <a:t>: </a:t>
+            </a:r>
+            <a:r>
+              <a:rPr lang="ko-KR" altLang="en-US" dirty="0"/>
+              <a:t>서브 개발</a:t>
+            </a:r>
+            <a:endParaRPr lang="en-US" altLang="ko-KR" dirty="0"/>
+          </a:p>
+          <a:p>
+            <a:pPr marL="0" indent="0">
+              <a:lnSpc>
+                <a:spcPct val="150000"/>
+              </a:lnSpc>
+              <a:buNone/>
+            </a:pPr>
+            <a:r>
+              <a:rPr lang="ko-KR" altLang="en-US" dirty="0" err="1"/>
+              <a:t>임효천</a:t>
+            </a:r>
+            <a:r>
+              <a:rPr lang="ko-KR" altLang="en-US" dirty="0"/>
+              <a:t> </a:t>
+            </a:r>
+            <a:r>
+              <a:rPr lang="en-US" altLang="ko-KR" dirty="0"/>
+              <a:t>: </a:t>
+            </a:r>
+            <a:r>
+              <a:rPr lang="ko-KR" altLang="en-US" dirty="0"/>
+              <a:t>메인 개발</a:t>
+            </a:r>
+            <a:endParaRPr lang="en-US" altLang="ko-KR" dirty="0"/>
+          </a:p>
+          <a:p>
+            <a:pPr marL="0" indent="0">
+              <a:lnSpc>
+                <a:spcPct val="150000"/>
+              </a:lnSpc>
+              <a:buNone/>
+            </a:pPr>
+            <a:r>
+              <a:rPr lang="ko-KR" altLang="en-US" dirty="0" err="1"/>
+              <a:t>전소현</a:t>
+            </a:r>
+            <a:r>
+              <a:rPr lang="ko-KR" altLang="en-US" dirty="0"/>
+              <a:t> </a:t>
+            </a:r>
+            <a:r>
+              <a:rPr lang="en-US" altLang="ko-KR" dirty="0"/>
+              <a:t>: </a:t>
+            </a:r>
+            <a:r>
+              <a:rPr lang="ko-KR" altLang="en-US" dirty="0"/>
+              <a:t>메인 개발</a:t>
+            </a:r>
+            <a:endParaRPr lang="en-US" altLang="ko-KR" dirty="0"/>
+          </a:p>
+          <a:p>
+            <a:pPr marL="0" indent="0">
+              <a:lnSpc>
+                <a:spcPct val="150000"/>
+              </a:lnSpc>
+              <a:buNone/>
+            </a:pPr>
+            <a:r>
+              <a:rPr lang="ko-KR" altLang="en-US" dirty="0" err="1"/>
+              <a:t>차용진</a:t>
+            </a:r>
+            <a:r>
+              <a:rPr lang="ko-KR" altLang="en-US" dirty="0"/>
+              <a:t> </a:t>
+            </a:r>
+            <a:r>
+              <a:rPr lang="en-US" altLang="ko-KR" dirty="0"/>
+              <a:t>: </a:t>
+            </a:r>
+            <a:r>
+              <a:rPr lang="ko-KR" altLang="en-US" dirty="0"/>
+              <a:t>기획</a:t>
+            </a:r>
+            <a:r>
+              <a:rPr lang="en-US" altLang="ko-KR" dirty="0"/>
+              <a:t>, </a:t>
+            </a:r>
+            <a:r>
+              <a:rPr lang="ko-KR" altLang="en-US" dirty="0"/>
+              <a:t>총괄</a:t>
             </a:r>
           </a:p>
         </p:txBody>
@@ -4381,7 +4997,7 @@
     </p:spTree>
     <p:extLst>
       <p:ext uri="{BB962C8B-B14F-4D97-AF65-F5344CB8AC3E}">
-        <p14:creationId xmlns:p14="http://schemas.microsoft.com/office/powerpoint/2010/main" val="1803217641"/>
+        <p14:creationId xmlns:p14="http://schemas.microsoft.com/office/powerpoint/2010/main" val="1824362074"/>
       </p:ext>
     </p:extLst>
   </p:cSld>

--- a/진행/게임PPT/SpaceShip.pptx
+++ b/진행/게임PPT/SpaceShip.pptx
@@ -3784,23 +3784,11 @@
             </a:pPr>
             <a:r>
               <a:rPr lang="ko-KR" altLang="en-US" dirty="0"/>
-              <a:t>플레이어가 우주선에 잠입하여 최종적으로 우주선 전체를 장악하는 </a:t>
-            </a:r>
-            <a:r>
-              <a:rPr lang="ko-KR" altLang="en-US" dirty="0" err="1">
-                <a:solidFill>
-                  <a:srgbClr val="FF0000"/>
-                </a:solidFill>
-              </a:rPr>
-              <a:t>방탈출</a:t>
-            </a:r>
-            <a:r>
-              <a:rPr lang="ko-KR" altLang="en-US" dirty="0"/>
-              <a:t> 게임이다</a:t>
+              <a:t>엄폐물 뒤에 숨어 적을 피하며 스릴감과 긴박감을 체험하고</a:t>
             </a:r>
             <a:r>
               <a:rPr lang="en-US" altLang="ko-KR" dirty="0"/>
-              <a:t>.</a:t>
+              <a:t>, </a:t>
             </a:r>
           </a:p>
           <a:p>
@@ -3811,52 +3799,21 @@
               <a:buNone/>
             </a:pPr>
             <a:r>
-              <a:rPr lang="en-US" altLang="ko-KR" dirty="0"/>
-              <a:t>1</a:t>
-            </a:r>
-            <a:r>
-              <a:rPr lang="ko-KR" altLang="en-US" dirty="0"/>
-              <a:t>층에서의 퍼즐을 통해 추리하며 해결한 뒤의 </a:t>
-            </a:r>
-            <a:r>
-              <a:rPr lang="ko-KR" altLang="en-US" dirty="0">
-                <a:solidFill>
-                  <a:srgbClr val="0070C0"/>
-                </a:solidFill>
-              </a:rPr>
-              <a:t>성취감</a:t>
-            </a:r>
-            <a:r>
-              <a:rPr lang="en-US" altLang="ko-KR" dirty="0"/>
-              <a:t>, 2</a:t>
-            </a:r>
-            <a:r>
-              <a:rPr lang="ko-KR" altLang="en-US" dirty="0"/>
-              <a:t>층에서의 잠입 액션을 통하여 </a:t>
-            </a:r>
-            <a:r>
-              <a:rPr lang="ko-KR" altLang="en-US" dirty="0">
-                <a:solidFill>
-                  <a:srgbClr val="0070C0"/>
-                </a:solidFill>
-              </a:rPr>
-              <a:t>스릴감</a:t>
-            </a:r>
-            <a:r>
-              <a:rPr lang="ko-KR" altLang="en-US" dirty="0"/>
-              <a:t>과 </a:t>
-            </a:r>
-            <a:r>
-              <a:rPr lang="ko-KR" altLang="en-US" dirty="0">
-                <a:solidFill>
-                  <a:srgbClr val="0070C0"/>
-                </a:solidFill>
-              </a:rPr>
-              <a:t>긴박함</a:t>
-            </a:r>
-            <a:r>
-              <a:rPr lang="ko-KR" altLang="en-US" dirty="0"/>
-              <a:t>을 체험하게 하고자 한다</a:t>
+              <a:rPr lang="ko-KR" altLang="en-US" dirty="0"/>
+              <a:t>퍼즐 요소들을 풀며 성취감을 </a:t>
+            </a:r>
+            <a:endParaRPr lang="en-US" altLang="ko-KR" dirty="0"/>
+          </a:p>
+          <a:p>
+            <a:pPr marL="0" indent="0">
+              <a:lnSpc>
+                <a:spcPct val="150000"/>
+              </a:lnSpc>
+              <a:buNone/>
+            </a:pPr>
+            <a:r>
+              <a:rPr lang="ko-KR" altLang="en-US" dirty="0"/>
+              <a:t>느끼게 하고자 한다</a:t>
             </a:r>
             <a:r>
               <a:rPr lang="en-US" altLang="ko-KR" dirty="0"/>
@@ -3865,6 +3822,36 @@
           </a:p>
         </p:txBody>
       </p:sp>
+      <p:pic>
+        <p:nvPicPr>
+          <p:cNvPr id="5" name="그림 4">
+            <a:extLst>
+              <a:ext uri="{FF2B5EF4-FFF2-40B4-BE49-F238E27FC236}">
+                <a16:creationId xmlns:a16="http://schemas.microsoft.com/office/drawing/2014/main" id="{5F58AEF4-B80A-DDB1-2865-0A7419A9AF89}"/>
+              </a:ext>
+            </a:extLst>
+          </p:cNvPr>
+          <p:cNvPicPr>
+            <a:picLocks noChangeAspect="1"/>
+          </p:cNvPicPr>
+          <p:nvPr/>
+        </p:nvPicPr>
+        <p:blipFill>
+          <a:blip r:embed="rId2"/>
+          <a:stretch>
+            <a:fillRect/>
+          </a:stretch>
+        </p:blipFill>
+        <p:spPr>
+          <a:xfrm>
+            <a:off x="6096000" y="3304945"/>
+            <a:ext cx="5235693" cy="3288598"/>
+          </a:xfrm>
+          <a:prstGeom prst="rect">
+            <a:avLst/>
+          </a:prstGeom>
+        </p:spPr>
+      </p:pic>
     </p:spTree>
     <p:extLst>
       <p:ext uri="{BB962C8B-B14F-4D97-AF65-F5344CB8AC3E}">
@@ -4312,7 +4299,7 @@
             </a:r>
             <a:r>
               <a:rPr lang="ko-KR" altLang="en-US" dirty="0"/>
-              <a:t>디자인 컨셉</a:t>
+              <a:t>맵 디자인 컨셉</a:t>
             </a:r>
             <a:endParaRPr lang="en-US" altLang="ko-KR" dirty="0"/>
           </a:p>
@@ -4326,27 +4313,7 @@
             </a:pPr>
             <a:r>
               <a:rPr lang="ko-KR" altLang="en-US" sz="2700" dirty="0"/>
-              <a:t>유니티를 이용한 게임이나 </a:t>
-            </a:r>
-            <a:r>
-              <a:rPr lang="en-US" altLang="ko-KR" sz="2700" dirty="0"/>
-              <a:t>VR</a:t>
-            </a:r>
-            <a:r>
-              <a:rPr lang="ko-KR" altLang="en-US" sz="2700" dirty="0"/>
-              <a:t> 게임이므로 </a:t>
-            </a:r>
-            <a:r>
-              <a:rPr lang="ko-KR" altLang="en-US" sz="2700" dirty="0">
-                <a:solidFill>
-                  <a:srgbClr val="0070C0"/>
-                </a:solidFill>
-              </a:rPr>
-              <a:t>현실적인 그래픽 </a:t>
-            </a:r>
-            <a:r>
-              <a:rPr lang="ko-KR" altLang="en-US" sz="2700" dirty="0"/>
-              <a:t>구현</a:t>
+              <a:t>우주선을 층별로 상세히 구현</a:t>
             </a:r>
             <a:endParaRPr lang="en-US" altLang="ko-KR" sz="2700" dirty="0"/>
           </a:p>
@@ -4359,12 +4326,40 @@
               <a:buChar char="-"/>
             </a:pPr>
             <a:r>
+              <a:rPr lang="ko-KR" altLang="en-US" sz="2700" dirty="0"/>
+              <a:t>총 </a:t>
+            </a:r>
+            <a:r>
               <a:rPr lang="en-US" altLang="ko-KR" sz="2700" dirty="0"/>
-              <a:t>1</a:t>
+              <a:t>3</a:t>
             </a:r>
             <a:r>
               <a:rPr lang="ko-KR" altLang="en-US" sz="2700" dirty="0"/>
-              <a:t>인칭 게임으로 플레이어 본인의 전체 모습은 확인 불가</a:t>
+              <a:t>층으로 구성되어 있으며</a:t>
+            </a:r>
+            <a:r>
+              <a:rPr lang="en-US" altLang="ko-KR" sz="2700" dirty="0"/>
+              <a:t>, </a:t>
+            </a:r>
+            <a:r>
+              <a:rPr lang="ko-KR" altLang="en-US" sz="2700" dirty="0"/>
+              <a:t>기계실</a:t>
+            </a:r>
+            <a:r>
+              <a:rPr lang="en-US" altLang="ko-KR" sz="2700" dirty="0"/>
+              <a:t>, </a:t>
+            </a:r>
+            <a:r>
+              <a:rPr lang="ko-KR" altLang="en-US" sz="2700" dirty="0" err="1"/>
+              <a:t>함장실</a:t>
+            </a:r>
+            <a:r>
+              <a:rPr lang="en-US" altLang="ko-KR" sz="2700" dirty="0"/>
+              <a:t>, </a:t>
+            </a:r>
+            <a:r>
+              <a:rPr lang="ko-KR" altLang="en-US" sz="2700" dirty="0"/>
+              <a:t>선원 광장 등으로 구성되어 있음</a:t>
             </a:r>
             <a:endParaRPr lang="en-US" altLang="ko-KR" sz="2700" dirty="0"/>
           </a:p>
@@ -4378,13 +4373,8 @@
             </a:pPr>
             <a:r>
               <a:rPr lang="ko-KR" altLang="en-US" sz="2700" dirty="0"/>
-              <a:t>플레이어의 성별은 남성으로 잠입을 위한 튼튼한 옷을 입고 있다</a:t>
-            </a:r>
-            <a:r>
-              <a:rPr lang="en-US" altLang="ko-KR" sz="2700" dirty="0"/>
-              <a:t>.</a:t>
-            </a:r>
-            <a:endParaRPr lang="ko-KR" altLang="en-US" sz="2700" dirty="0"/>
+              <a:t>우주선의 암전 상태를 구현하기 위해 광도 조절할 수 있도록 함</a:t>
+            </a:r>
           </a:p>
         </p:txBody>
       </p:sp>
@@ -4881,11 +4871,19 @@
             </a:r>
             <a:r>
               <a:rPr lang="en-US" altLang="ko-KR" dirty="0"/>
-              <a:t>: </a:t>
-            </a:r>
-            <a:r>
-              <a:rPr lang="ko-KR" altLang="en-US" dirty="0"/>
-              <a:t>기획</a:t>
+              <a:t>: 2</a:t>
+            </a:r>
+            <a:r>
+              <a:rPr lang="ko-KR" altLang="en-US" dirty="0"/>
+              <a:t>층</a:t>
+            </a:r>
+            <a:r>
+              <a:rPr lang="en-US" altLang="ko-KR" dirty="0"/>
+              <a:t>, 3</a:t>
+            </a:r>
+            <a:r>
+              <a:rPr lang="ko-KR" altLang="en-US" dirty="0"/>
+              <a:t>층 레벨 디자인</a:t>
             </a:r>
             <a:endParaRPr lang="en-US" altLang="ko-KR" dirty="0"/>
           </a:p>
@@ -4902,11 +4900,11 @@
             </a:r>
             <a:r>
               <a:rPr lang="en-US" altLang="ko-KR" dirty="0"/>
-              <a:t>: </a:t>
-            </a:r>
-            <a:r>
-              <a:rPr lang="ko-KR" altLang="en-US" dirty="0"/>
-              <a:t>서브 개발</a:t>
+              <a:t>: Object Interact </a:t>
+            </a:r>
+            <a:r>
+              <a:rPr lang="ko-KR" altLang="en-US" dirty="0"/>
+              <a:t>개발</a:t>
             </a:r>
             <a:endParaRPr lang="en-US" altLang="ko-KR" dirty="0"/>
           </a:p>
@@ -4927,11 +4925,11 @@
             </a:r>
             <a:r>
               <a:rPr lang="en-US" altLang="ko-KR" dirty="0"/>
-              <a:t>: </a:t>
-            </a:r>
-            <a:r>
-              <a:rPr lang="ko-KR" altLang="en-US" dirty="0"/>
-              <a:t>메인 개발</a:t>
+              <a:t>: Player</a:t>
+            </a:r>
+            <a:r>
+              <a:rPr lang="ko-KR" altLang="en-US" dirty="0"/>
+              <a:t> 개발</a:t>
             </a:r>
             <a:endParaRPr lang="en-US" altLang="ko-KR" dirty="0"/>
           </a:p>
@@ -4952,11 +4950,11 @@
             </a:r>
             <a:r>
               <a:rPr lang="en-US" altLang="ko-KR" dirty="0"/>
-              <a:t>: </a:t>
-            </a:r>
-            <a:r>
-              <a:rPr lang="ko-KR" altLang="en-US" dirty="0"/>
-              <a:t>메인 개발</a:t>
+              <a:t>: Enemy</a:t>
+            </a:r>
+            <a:r>
+              <a:rPr lang="ko-KR" altLang="en-US" dirty="0"/>
+              <a:t> 개발</a:t>
             </a:r>
             <a:endParaRPr lang="en-US" altLang="ko-KR" dirty="0"/>
           </a:p>
@@ -4977,11 +4975,11 @@
             </a:r>
             <a:r>
               <a:rPr lang="en-US" altLang="ko-KR" dirty="0"/>
-              <a:t>: </a:t>
-            </a:r>
-            <a:r>
-              <a:rPr lang="ko-KR" altLang="en-US" dirty="0"/>
-              <a:t>기획</a:t>
+              <a:t>: 1</a:t>
+            </a:r>
+            <a:r>
+              <a:rPr lang="ko-KR" altLang="en-US" dirty="0"/>
+              <a:t>층 레벨디자인</a:t>
             </a:r>
             <a:r>
               <a:rPr lang="en-US" altLang="ko-KR" dirty="0"/>
@@ -4989,7 +4987,7 @@
             </a:r>
             <a:r>
               <a:rPr lang="ko-KR" altLang="en-US" dirty="0"/>
-              <a:t>총괄</a:t>
+              <a:t>전체 총괄</a:t>
             </a:r>
           </a:p>
         </p:txBody>

--- a/진행/게임PPT/SpaceShip.pptx
+++ b/진행/게임PPT/SpaceShip.pptx
@@ -268,7 +268,7 @@
           <a:p>
             <a:fld id="{52621CA2-F6D9-4D78-B139-5B0FD6ACA0EB}" type="datetimeFigureOut">
               <a:rPr lang="ko-KR" altLang="en-US" smtClean="0"/>
-              <a:t>2024-11-28</a:t>
+              <a:t>2024-11-29</a:t>
             </a:fld>
             <a:endParaRPr lang="ko-KR" altLang="en-US"/>
           </a:p>
@@ -466,7 +466,7 @@
           <a:p>
             <a:fld id="{52621CA2-F6D9-4D78-B139-5B0FD6ACA0EB}" type="datetimeFigureOut">
               <a:rPr lang="ko-KR" altLang="en-US" smtClean="0"/>
-              <a:t>2024-11-28</a:t>
+              <a:t>2024-11-29</a:t>
             </a:fld>
             <a:endParaRPr lang="ko-KR" altLang="en-US"/>
           </a:p>
@@ -674,7 +674,7 @@
           <a:p>
             <a:fld id="{52621CA2-F6D9-4D78-B139-5B0FD6ACA0EB}" type="datetimeFigureOut">
               <a:rPr lang="ko-KR" altLang="en-US" smtClean="0"/>
-              <a:t>2024-11-28</a:t>
+              <a:t>2024-11-29</a:t>
             </a:fld>
             <a:endParaRPr lang="ko-KR" altLang="en-US"/>
           </a:p>
@@ -872,7 +872,7 @@
           <a:p>
             <a:fld id="{52621CA2-F6D9-4D78-B139-5B0FD6ACA0EB}" type="datetimeFigureOut">
               <a:rPr lang="ko-KR" altLang="en-US" smtClean="0"/>
-              <a:t>2024-11-28</a:t>
+              <a:t>2024-11-29</a:t>
             </a:fld>
             <a:endParaRPr lang="ko-KR" altLang="en-US"/>
           </a:p>
@@ -1147,7 +1147,7 @@
           <a:p>
             <a:fld id="{52621CA2-F6D9-4D78-B139-5B0FD6ACA0EB}" type="datetimeFigureOut">
               <a:rPr lang="ko-KR" altLang="en-US" smtClean="0"/>
-              <a:t>2024-11-28</a:t>
+              <a:t>2024-11-29</a:t>
             </a:fld>
             <a:endParaRPr lang="ko-KR" altLang="en-US"/>
           </a:p>
@@ -1412,7 +1412,7 @@
           <a:p>
             <a:fld id="{52621CA2-F6D9-4D78-B139-5B0FD6ACA0EB}" type="datetimeFigureOut">
               <a:rPr lang="ko-KR" altLang="en-US" smtClean="0"/>
-              <a:t>2024-11-28</a:t>
+              <a:t>2024-11-29</a:t>
             </a:fld>
             <a:endParaRPr lang="ko-KR" altLang="en-US"/>
           </a:p>
@@ -1824,7 +1824,7 @@
           <a:p>
             <a:fld id="{52621CA2-F6D9-4D78-B139-5B0FD6ACA0EB}" type="datetimeFigureOut">
               <a:rPr lang="ko-KR" altLang="en-US" smtClean="0"/>
-              <a:t>2024-11-28</a:t>
+              <a:t>2024-11-29</a:t>
             </a:fld>
             <a:endParaRPr lang="ko-KR" altLang="en-US"/>
           </a:p>
@@ -1965,7 +1965,7 @@
           <a:p>
             <a:fld id="{52621CA2-F6D9-4D78-B139-5B0FD6ACA0EB}" type="datetimeFigureOut">
               <a:rPr lang="ko-KR" altLang="en-US" smtClean="0"/>
-              <a:t>2024-11-28</a:t>
+              <a:t>2024-11-29</a:t>
             </a:fld>
             <a:endParaRPr lang="ko-KR" altLang="en-US"/>
           </a:p>
@@ -2078,7 +2078,7 @@
           <a:p>
             <a:fld id="{52621CA2-F6D9-4D78-B139-5B0FD6ACA0EB}" type="datetimeFigureOut">
               <a:rPr lang="ko-KR" altLang="en-US" smtClean="0"/>
-              <a:t>2024-11-28</a:t>
+              <a:t>2024-11-29</a:t>
             </a:fld>
             <a:endParaRPr lang="ko-KR" altLang="en-US"/>
           </a:p>
@@ -2389,7 +2389,7 @@
           <a:p>
             <a:fld id="{52621CA2-F6D9-4D78-B139-5B0FD6ACA0EB}" type="datetimeFigureOut">
               <a:rPr lang="ko-KR" altLang="en-US" smtClean="0"/>
-              <a:t>2024-11-28</a:t>
+              <a:t>2024-11-29</a:t>
             </a:fld>
             <a:endParaRPr lang="ko-KR" altLang="en-US"/>
           </a:p>
@@ -2677,7 +2677,7 @@
           <a:p>
             <a:fld id="{52621CA2-F6D9-4D78-B139-5B0FD6ACA0EB}" type="datetimeFigureOut">
               <a:rPr lang="ko-KR" altLang="en-US" smtClean="0"/>
-              <a:t>2024-11-28</a:t>
+              <a:t>2024-11-29</a:t>
             </a:fld>
             <a:endParaRPr lang="ko-KR" altLang="en-US"/>
           </a:p>
@@ -2918,7 +2918,7 @@
           <a:p>
             <a:fld id="{52621CA2-F6D9-4D78-B139-5B0FD6ACA0EB}" type="datetimeFigureOut">
               <a:rPr lang="ko-KR" altLang="en-US" smtClean="0"/>
-              <a:t>2024-11-28</a:t>
+              <a:t>2024-11-29</a:t>
             </a:fld>
             <a:endParaRPr lang="ko-KR" altLang="en-US"/>
           </a:p>
@@ -4871,19 +4871,11 @@
             </a:r>
             <a:r>
               <a:rPr lang="en-US" altLang="ko-KR" dirty="0"/>
-              <a:t>: 2</a:t>
-            </a:r>
-            <a:r>
-              <a:rPr lang="ko-KR" altLang="en-US" dirty="0"/>
-              <a:t>층</a:t>
-            </a:r>
-            <a:r>
-              <a:rPr lang="en-US" altLang="ko-KR" dirty="0"/>
-              <a:t>, 3</a:t>
-            </a:r>
-            <a:r>
-              <a:rPr lang="ko-KR" altLang="en-US" dirty="0"/>
-              <a:t>층 레벨 디자인</a:t>
+              <a:t>: </a:t>
+            </a:r>
+            <a:r>
+              <a:rPr lang="ko-KR" altLang="en-US" dirty="0"/>
+              <a:t>레벨 디자인</a:t>
             </a:r>
             <a:endParaRPr lang="en-US" altLang="ko-KR" dirty="0"/>
           </a:p>
